--- a/Smartlearning.dk/IT-sikkerhed - webinar 2.pptx
+++ b/Smartlearning.dk/IT-sikkerhed - webinar 2.pptx
@@ -21,14 +21,13 @@
     <p:sldId id="275" r:id="rId15"/>
     <p:sldId id="279" r:id="rId16"/>
     <p:sldId id="280" r:id="rId17"/>
-    <p:sldId id="289" r:id="rId18"/>
-    <p:sldId id="281" r:id="rId19"/>
-    <p:sldId id="288" r:id="rId20"/>
-    <p:sldId id="290" r:id="rId21"/>
-    <p:sldId id="291" r:id="rId22"/>
-    <p:sldId id="292" r:id="rId23"/>
-    <p:sldId id="293" r:id="rId24"/>
-    <p:sldId id="286" r:id="rId25"/>
+    <p:sldId id="281" r:id="rId18"/>
+    <p:sldId id="288" r:id="rId19"/>
+    <p:sldId id="290" r:id="rId20"/>
+    <p:sldId id="291" r:id="rId21"/>
+    <p:sldId id="292" r:id="rId22"/>
+    <p:sldId id="293" r:id="rId23"/>
+    <p:sldId id="286" r:id="rId24"/>
   </p:sldIdLst>
   <p:sldSz cx="12192000" cy="6858000"/>
   <p:notesSz cx="6858000" cy="9144000"/>
@@ -274,7 +273,7 @@
           <a:p>
             <a:fld id="{BA224F2B-A767-425E-8374-E42CDBF76FF9}" type="datetimeFigureOut">
               <a:rPr lang="da-DK" smtClean="0"/>
-              <a:t>08-11-2016</a:t>
+              <a:t>15-11-2016</a:t>
             </a:fld>
             <a:endParaRPr lang="da-DK"/>
           </a:p>
@@ -485,7 +484,7 @@
           <a:p>
             <a:fld id="{BA224F2B-A767-425E-8374-E42CDBF76FF9}" type="datetimeFigureOut">
               <a:rPr lang="da-DK" smtClean="0"/>
-              <a:t>08-11-2016</a:t>
+              <a:t>15-11-2016</a:t>
             </a:fld>
             <a:endParaRPr lang="da-DK"/>
           </a:p>
@@ -700,7 +699,7 @@
           <a:p>
             <a:fld id="{BA224F2B-A767-425E-8374-E42CDBF76FF9}" type="datetimeFigureOut">
               <a:rPr lang="da-DK" smtClean="0"/>
-              <a:t>08-11-2016</a:t>
+              <a:t>15-11-2016</a:t>
             </a:fld>
             <a:endParaRPr lang="da-DK"/>
           </a:p>
@@ -901,7 +900,7 @@
           <a:p>
             <a:fld id="{BA224F2B-A767-425E-8374-E42CDBF76FF9}" type="datetimeFigureOut">
               <a:rPr lang="da-DK" smtClean="0"/>
-              <a:t>08-11-2016</a:t>
+              <a:t>15-11-2016</a:t>
             </a:fld>
             <a:endParaRPr lang="da-DK"/>
           </a:p>
@@ -1180,7 +1179,7 @@
           <a:p>
             <a:fld id="{BA224F2B-A767-425E-8374-E42CDBF76FF9}" type="datetimeFigureOut">
               <a:rPr lang="da-DK" smtClean="0"/>
-              <a:t>08-11-2016</a:t>
+              <a:t>15-11-2016</a:t>
             </a:fld>
             <a:endParaRPr lang="da-DK"/>
           </a:p>
@@ -1448,7 +1447,7 @@
           <a:p>
             <a:fld id="{BA224F2B-A767-425E-8374-E42CDBF76FF9}" type="datetimeFigureOut">
               <a:rPr lang="da-DK" smtClean="0"/>
-              <a:t>08-11-2016</a:t>
+              <a:t>15-11-2016</a:t>
             </a:fld>
             <a:endParaRPr lang="da-DK"/>
           </a:p>
@@ -1864,7 +1863,7 @@
           <a:p>
             <a:fld id="{BA224F2B-A767-425E-8374-E42CDBF76FF9}" type="datetimeFigureOut">
               <a:rPr lang="da-DK" smtClean="0"/>
-              <a:t>08-11-2016</a:t>
+              <a:t>15-11-2016</a:t>
             </a:fld>
             <a:endParaRPr lang="da-DK"/>
           </a:p>
@@ -2013,7 +2012,7 @@
           <a:p>
             <a:fld id="{BA224F2B-A767-425E-8374-E42CDBF76FF9}" type="datetimeFigureOut">
               <a:rPr lang="da-DK" smtClean="0"/>
-              <a:t>08-11-2016</a:t>
+              <a:t>15-11-2016</a:t>
             </a:fld>
             <a:endParaRPr lang="da-DK"/>
           </a:p>
@@ -2139,7 +2138,7 @@
           <a:p>
             <a:fld id="{BA224F2B-A767-425E-8374-E42CDBF76FF9}" type="datetimeFigureOut">
               <a:rPr lang="da-DK" smtClean="0"/>
-              <a:t>08-11-2016</a:t>
+              <a:t>15-11-2016</a:t>
             </a:fld>
             <a:endParaRPr lang="da-DK"/>
           </a:p>
@@ -2390,7 +2389,7 @@
           <a:p>
             <a:fld id="{BA224F2B-A767-425E-8374-E42CDBF76FF9}" type="datetimeFigureOut">
               <a:rPr lang="da-DK" smtClean="0"/>
-              <a:t>08-11-2016</a:t>
+              <a:t>15-11-2016</a:t>
             </a:fld>
             <a:endParaRPr lang="da-DK"/>
           </a:p>
@@ -2835,7 +2834,7 @@
           <a:p>
             <a:fld id="{BA224F2B-A767-425E-8374-E42CDBF76FF9}" type="datetimeFigureOut">
               <a:rPr lang="da-DK" smtClean="0"/>
-              <a:t>08-11-2016</a:t>
+              <a:t>15-11-2016</a:t>
             </a:fld>
             <a:endParaRPr lang="da-DK"/>
           </a:p>
@@ -3161,7 +3160,7 @@
           <a:p>
             <a:fld id="{BA224F2B-A767-425E-8374-E42CDBF76FF9}" type="datetimeFigureOut">
               <a:rPr lang="da-DK" smtClean="0"/>
-              <a:t>08-11-2016</a:t>
+              <a:t>15-11-2016</a:t>
             </a:fld>
             <a:endParaRPr lang="da-DK"/>
           </a:p>
@@ -3997,7 +3996,7 @@
         </p:nvSpPr>
         <p:spPr>
           <a:xfrm>
-            <a:off x="838200" y="1825625"/>
+            <a:off x="1451579" y="1899729"/>
             <a:ext cx="10515600" cy="1279525"/>
           </a:xfrm>
         </p:spPr>
@@ -4048,7 +4047,7 @@
         </p:blipFill>
         <p:spPr>
           <a:xfrm>
-            <a:off x="961756" y="2981164"/>
+            <a:off x="1451579" y="3012695"/>
             <a:ext cx="7566743" cy="2874963"/>
           </a:xfrm>
           <a:prstGeom prst="rect">
@@ -4518,7 +4517,7 @@
                 </a:r>
                 <a:r>
                   <a:rPr lang="da-DK" i="1" dirty="0"/>
-                  <a:t>g </a:t>
+                  <a:t>g, p </a:t>
                 </a:r>
                 <a:r>
                   <a:rPr lang="da-DK" dirty="0"/>
@@ -4555,7 +4554,7 @@
               <a:blipFill>
                 <a:blip r:embed="rId2"/>
                 <a:stretch>
-                  <a:fillRect l="-1043" t="-2241"/>
+                  <a:fillRect l="-571" t="-177" r="-1333"/>
                 </a:stretch>
               </a:blipFill>
             </p:spPr>
@@ -4745,102 +4744,6 @@
           <a:lstStyle/>
           <a:p>
             <a:r>
-              <a:rPr lang="da-DK" dirty="0"/>
-              <a:t>SSL/HTTPS</a:t>
-            </a:r>
-          </a:p>
-        </p:txBody>
-      </p:sp>
-      <p:sp>
-        <p:nvSpPr>
-          <p:cNvPr id="3" name="Pladsholder til indhold 2"/>
-          <p:cNvSpPr>
-            <a:spLocks noGrp="1"/>
-          </p:cNvSpPr>
-          <p:nvPr>
-            <p:ph idx="1"/>
-          </p:nvPr>
-        </p:nvSpPr>
-        <p:spPr/>
-        <p:txBody>
-          <a:bodyPr/>
-          <a:lstStyle/>
-          <a:p>
-            <a:r>
-              <a:rPr lang="da-DK" dirty="0"/>
-              <a:t>Secure </a:t>
-            </a:r>
-            <a:r>
-              <a:rPr lang="da-DK" dirty="0" err="1"/>
-              <a:t>Socket</a:t>
-            </a:r>
-            <a:r>
-              <a:rPr lang="da-DK" dirty="0"/>
-              <a:t> </a:t>
-            </a:r>
-            <a:r>
-              <a:rPr lang="da-DK" dirty="0" err="1"/>
-              <a:t>Layer</a:t>
-            </a:r>
-            <a:endParaRPr lang="da-DK" dirty="0"/>
-          </a:p>
-          <a:p>
-            <a:r>
-              <a:rPr lang="da-DK" dirty="0"/>
-              <a:t>Krypterer </a:t>
-            </a:r>
-          </a:p>
-          <a:p>
-            <a:endParaRPr lang="da-DK" dirty="0"/>
-          </a:p>
-        </p:txBody>
-      </p:sp>
-    </p:spTree>
-    <p:extLst>
-      <p:ext uri="{BB962C8B-B14F-4D97-AF65-F5344CB8AC3E}">
-        <p14:creationId xmlns:p14="http://schemas.microsoft.com/office/powerpoint/2010/main" val="2514145635"/>
-      </p:ext>
-    </p:extLst>
-  </p:cSld>
-  <p:clrMapOvr>
-    <a:masterClrMapping/>
-  </p:clrMapOvr>
-</p:sld>
-</file>
-
-<file path=ppt/slides/slide18.xml><?xml version="1.0" encoding="utf-8"?>
-<p:sld xmlns:a="http://schemas.openxmlformats.org/drawingml/2006/main" xmlns:r="http://schemas.openxmlformats.org/officeDocument/2006/relationships" xmlns:p="http://schemas.openxmlformats.org/presentationml/2006/main">
-  <p:cSld>
-    <p:spTree>
-      <p:nvGrpSpPr>
-        <p:cNvPr id="1" name=""/>
-        <p:cNvGrpSpPr/>
-        <p:nvPr/>
-      </p:nvGrpSpPr>
-      <p:grpSpPr>
-        <a:xfrm>
-          <a:off x="0" y="0"/>
-          <a:ext cx="0" cy="0"/>
-          <a:chOff x="0" y="0"/>
-          <a:chExt cx="0" cy="0"/>
-        </a:xfrm>
-      </p:grpSpPr>
-      <p:sp>
-        <p:nvSpPr>
-          <p:cNvPr id="2" name="Titel 1"/>
-          <p:cNvSpPr>
-            <a:spLocks noGrp="1"/>
-          </p:cNvSpPr>
-          <p:nvPr>
-            <p:ph type="title"/>
-          </p:nvPr>
-        </p:nvSpPr>
-        <p:spPr/>
-        <p:txBody>
-          <a:bodyPr/>
-          <a:lstStyle/>
-          <a:p>
-            <a:r>
               <a:rPr lang="da-DK" dirty="0" err="1"/>
               <a:t>Hashing</a:t>
             </a:r>
@@ -5219,6 +5122,123 @@
 </p:sld>
 </file>
 
+<file path=ppt/slides/slide18.xml><?xml version="1.0" encoding="utf-8"?>
+<p:sld xmlns:a="http://schemas.openxmlformats.org/drawingml/2006/main" xmlns:r="http://schemas.openxmlformats.org/officeDocument/2006/relationships" xmlns:p="http://schemas.openxmlformats.org/presentationml/2006/main">
+  <p:cSld>
+    <p:spTree>
+      <p:nvGrpSpPr>
+        <p:cNvPr id="1" name=""/>
+        <p:cNvGrpSpPr/>
+        <p:nvPr/>
+      </p:nvGrpSpPr>
+      <p:grpSpPr>
+        <a:xfrm>
+          <a:off x="0" y="0"/>
+          <a:ext cx="0" cy="0"/>
+          <a:chOff x="0" y="0"/>
+          <a:chExt cx="0" cy="0"/>
+        </a:xfrm>
+      </p:grpSpPr>
+      <p:sp>
+        <p:nvSpPr>
+          <p:cNvPr id="2" name="Titel 1"/>
+          <p:cNvSpPr>
+            <a:spLocks noGrp="1"/>
+          </p:cNvSpPr>
+          <p:nvPr>
+            <p:ph type="title"/>
+          </p:nvPr>
+        </p:nvSpPr>
+        <p:spPr/>
+        <p:txBody>
+          <a:bodyPr/>
+          <a:lstStyle/>
+          <a:p>
+            <a:r>
+              <a:rPr lang="da-DK" dirty="0"/>
+              <a:t>Key </a:t>
+            </a:r>
+            <a:r>
+              <a:rPr lang="da-DK" dirty="0" err="1"/>
+              <a:t>take-away</a:t>
+            </a:r>
+            <a:endParaRPr lang="da-DK" dirty="0"/>
+          </a:p>
+        </p:txBody>
+      </p:sp>
+      <p:sp>
+        <p:nvSpPr>
+          <p:cNvPr id="3" name="Pladsholder til indhold 2"/>
+          <p:cNvSpPr>
+            <a:spLocks noGrp="1"/>
+          </p:cNvSpPr>
+          <p:nvPr>
+            <p:ph idx="1"/>
+          </p:nvPr>
+        </p:nvSpPr>
+        <p:spPr/>
+        <p:txBody>
+          <a:bodyPr>
+            <a:normAutofit fontScale="92500" lnSpcReduction="20000"/>
+          </a:bodyPr>
+          <a:lstStyle/>
+          <a:p>
+            <a:pPr marL="0" indent="0">
+              <a:buNone/>
+            </a:pPr>
+            <a:r>
+              <a:rPr lang="da-DK" sz="4400" i="1" dirty="0"/>
+              <a:t>Og Herren sagde til Abraham: </a:t>
+            </a:r>
+          </a:p>
+          <a:p>
+            <a:pPr marL="0" indent="0">
+              <a:buNone/>
+            </a:pPr>
+            <a:r>
+              <a:rPr lang="da-DK" sz="4400" i="1" dirty="0"/>
+              <a:t>”Du skal altid </a:t>
+            </a:r>
+            <a:r>
+              <a:rPr lang="da-DK" sz="4400" b="1" i="1" dirty="0" err="1"/>
+              <a:t>hashe</a:t>
+            </a:r>
+            <a:r>
+              <a:rPr lang="da-DK" sz="4400" i="1" dirty="0"/>
+              <a:t> dine brugeres passwords. I tilgift skal du altid sørge for at tilføje </a:t>
+            </a:r>
+            <a:r>
+              <a:rPr lang="da-DK" sz="4400" b="1" i="1" dirty="0"/>
+              <a:t>salt</a:t>
+            </a:r>
+            <a:r>
+              <a:rPr lang="da-DK" sz="4400" i="1" dirty="0"/>
+              <a:t> med en passende mængde </a:t>
+            </a:r>
+            <a:r>
+              <a:rPr lang="da-DK" sz="4400" b="1" i="1" dirty="0"/>
+              <a:t>bits</a:t>
+            </a:r>
+            <a:r>
+              <a:rPr lang="da-DK" sz="4400" i="1" dirty="0"/>
+              <a:t>, thi at de som vil skade dig ikke skal hacke dine systemer. ”</a:t>
+            </a:r>
+          </a:p>
+        </p:txBody>
+      </p:sp>
+    </p:spTree>
+    <p:extLst>
+      <p:ext uri="{BB962C8B-B14F-4D97-AF65-F5344CB8AC3E}">
+        <p14:creationId xmlns:p14="http://schemas.microsoft.com/office/powerpoint/2010/main" val="697459703"/>
+      </p:ext>
+    </p:extLst>
+  </p:cSld>
+  <p:clrMapOvr>
+    <a:masterClrMapping/>
+  </p:clrMapOvr>
+</p:sld>
+</file>
+
 <file path=ppt/slides/slide19.xml><?xml version="1.0" encoding="utf-8"?>
 <p:sld xmlns:a="http://schemas.openxmlformats.org/drawingml/2006/main" xmlns:r="http://schemas.openxmlformats.org/officeDocument/2006/relationships" xmlns:p="http://schemas.openxmlformats.org/presentationml/2006/main">
   <p:cSld>
@@ -5253,13 +5273,8 @@
           <a:p>
             <a:r>
               <a:rPr lang="da-DK" dirty="0"/>
-              <a:t>Key </a:t>
-            </a:r>
-            <a:r>
-              <a:rPr lang="da-DK" dirty="0" err="1"/>
-              <a:t>take-away</a:t>
-            </a:r>
-            <a:endParaRPr lang="da-DK" dirty="0"/>
+              <a:t>autentificering</a:t>
+            </a:r>
           </a:p>
         </p:txBody>
       </p:sp>
@@ -5280,53 +5295,52 @@
           </a:bodyPr>
           <a:lstStyle/>
           <a:p>
-            <a:pPr marL="0" indent="0">
-              <a:buNone/>
-            </a:pPr>
-            <a:r>
-              <a:rPr lang="da-DK" sz="4400" i="1" dirty="0"/>
-              <a:t>Og Herren sagde til Abraham: </a:t>
-            </a:r>
-          </a:p>
-          <a:p>
-            <a:pPr marL="0" indent="0">
-              <a:buNone/>
-            </a:pPr>
-            <a:r>
-              <a:rPr lang="da-DK" sz="4400" i="1" dirty="0"/>
-              <a:t>”Du skal altid </a:t>
-            </a:r>
-            <a:r>
-              <a:rPr lang="da-DK" sz="4400" b="1" i="1" dirty="0" err="1"/>
-              <a:t>hashe</a:t>
-            </a:r>
-            <a:r>
-              <a:rPr lang="da-DK" sz="4400" i="1" dirty="0"/>
-              <a:t> dine brugeres passwords. I tilgift skal du altid sørge for at tilføje </a:t>
-            </a:r>
-            <a:r>
-              <a:rPr lang="da-DK" sz="4400" b="1" i="1" dirty="0"/>
-              <a:t>salt</a:t>
-            </a:r>
-            <a:r>
-              <a:rPr lang="da-DK" sz="4400" i="1" dirty="0"/>
-              <a:t> med en passende mængde </a:t>
-            </a:r>
-            <a:r>
-              <a:rPr lang="da-DK" sz="4400" b="1" i="1" dirty="0"/>
-              <a:t>bits</a:t>
-            </a:r>
-            <a:r>
-              <a:rPr lang="da-DK" sz="4400" i="1" dirty="0"/>
-              <a:t>, thi at de som vil skade dig ikke skal hacke dine systemer. ”</a:t>
-            </a:r>
+            <a:r>
+              <a:rPr lang="da-DK" dirty="0"/>
+              <a:t>Autentificering betyder i kryptografisk sammenhæng, at sikre sig at en besked kommer fra den afsender som påstås (meddelelsen er autentisk). </a:t>
+            </a:r>
+          </a:p>
+          <a:p>
+            <a:r>
+              <a:rPr lang="da-DK" dirty="0"/>
+              <a:t>Integritet har en lignende betydning, men refererer til at en besked ikke er blevet ændret. </a:t>
+            </a:r>
+          </a:p>
+          <a:p>
+            <a:r>
+              <a:rPr lang="da-DK" dirty="0"/>
+              <a:t>Sikres oftest med en Message Authentication Code (MAC).</a:t>
+            </a:r>
+          </a:p>
+          <a:p>
+            <a:r>
+              <a:rPr lang="da-DK" dirty="0"/>
+              <a:t>En MAC er en checksum(hash) der beregnes for beskeden og derefter krypteres symmetrisk med en nøgle. </a:t>
+            </a:r>
+          </a:p>
+          <a:p>
+            <a:r>
+              <a:rPr lang="da-DK" dirty="0"/>
+              <a:t>Sikrer ikke mod </a:t>
+            </a:r>
+            <a:r>
+              <a:rPr lang="da-DK" dirty="0" err="1"/>
+              <a:t>replayangreb</a:t>
+            </a:r>
+            <a:r>
+              <a:rPr lang="da-DK" dirty="0"/>
+              <a:t>, der skal en dato eller et sekvensnummer eller lign. til., ellers så kan en modstander evt. bare kopiere og gentage en hel besked. Det kan være problematisk hvis fx beskeden låser en bil op. </a:t>
+            </a:r>
+          </a:p>
+          <a:p>
+            <a:endParaRPr lang="da-DK" dirty="0"/>
           </a:p>
         </p:txBody>
       </p:sp>
     </p:spTree>
     <p:extLst>
       <p:ext uri="{BB962C8B-B14F-4D97-AF65-F5344CB8AC3E}">
-        <p14:creationId xmlns:p14="http://schemas.microsoft.com/office/powerpoint/2010/main" val="697459703"/>
+        <p14:creationId xmlns:p14="http://schemas.microsoft.com/office/powerpoint/2010/main" val="3452644458"/>
       </p:ext>
     </p:extLst>
   </p:cSld>
@@ -5432,6 +5446,17 @@
               <a:t>Autentificering (MAC/HMAC)</a:t>
             </a:r>
           </a:p>
+          <a:p>
+            <a:r>
+              <a:rPr lang="da-DK" dirty="0"/>
+              <a:t>Challenge/</a:t>
+            </a:r>
+            <a:r>
+              <a:rPr lang="da-DK" dirty="0" err="1"/>
+              <a:t>handshake</a:t>
+            </a:r>
+            <a:endParaRPr lang="da-DK" dirty="0"/>
+          </a:p>
         </p:txBody>
       </p:sp>
     </p:spTree>
@@ -5448,117 +5473,6 @@
 </file>
 
 <file path=ppt/slides/slide20.xml><?xml version="1.0" encoding="utf-8"?>
-<p:sld xmlns:a="http://schemas.openxmlformats.org/drawingml/2006/main" xmlns:r="http://schemas.openxmlformats.org/officeDocument/2006/relationships" xmlns:p="http://schemas.openxmlformats.org/presentationml/2006/main">
-  <p:cSld>
-    <p:spTree>
-      <p:nvGrpSpPr>
-        <p:cNvPr id="1" name=""/>
-        <p:cNvGrpSpPr/>
-        <p:nvPr/>
-      </p:nvGrpSpPr>
-      <p:grpSpPr>
-        <a:xfrm>
-          <a:off x="0" y="0"/>
-          <a:ext cx="0" cy="0"/>
-          <a:chOff x="0" y="0"/>
-          <a:chExt cx="0" cy="0"/>
-        </a:xfrm>
-      </p:grpSpPr>
-      <p:sp>
-        <p:nvSpPr>
-          <p:cNvPr id="2" name="Titel 1"/>
-          <p:cNvSpPr>
-            <a:spLocks noGrp="1"/>
-          </p:cNvSpPr>
-          <p:nvPr>
-            <p:ph type="title"/>
-          </p:nvPr>
-        </p:nvSpPr>
-        <p:spPr/>
-        <p:txBody>
-          <a:bodyPr/>
-          <a:lstStyle/>
-          <a:p>
-            <a:r>
-              <a:rPr lang="da-DK" dirty="0"/>
-              <a:t>autentificering</a:t>
-            </a:r>
-          </a:p>
-        </p:txBody>
-      </p:sp>
-      <p:sp>
-        <p:nvSpPr>
-          <p:cNvPr id="3" name="Pladsholder til indhold 2"/>
-          <p:cNvSpPr>
-            <a:spLocks noGrp="1"/>
-          </p:cNvSpPr>
-          <p:nvPr>
-            <p:ph idx="1"/>
-          </p:nvPr>
-        </p:nvSpPr>
-        <p:spPr/>
-        <p:txBody>
-          <a:bodyPr>
-            <a:normAutofit/>
-          </a:bodyPr>
-          <a:lstStyle/>
-          <a:p>
-            <a:r>
-              <a:rPr lang="da-DK" dirty="0"/>
-              <a:t>Autentificering betyder i kryptografisk sammenhæng, at sikre sig at en besked kommer fra den afsender som påstås (meddelelsen er autentisk). </a:t>
-            </a:r>
-          </a:p>
-          <a:p>
-            <a:r>
-              <a:rPr lang="da-DK" dirty="0"/>
-              <a:t>Integritet har en lignende betydning, men refererer til at en besked ikke er blevet ændret. </a:t>
-            </a:r>
-          </a:p>
-          <a:p>
-            <a:r>
-              <a:rPr lang="da-DK" dirty="0"/>
-              <a:t>Sikres oftest med en Message Authentication Code (MAC).</a:t>
-            </a:r>
-          </a:p>
-          <a:p>
-            <a:r>
-              <a:rPr lang="da-DK" dirty="0"/>
-              <a:t>En MAC er en checksum(hash) der beregnes for beskeden og derefter krypteres symmetrisk med en nøgle. </a:t>
-            </a:r>
-          </a:p>
-          <a:p>
-            <a:r>
-              <a:rPr lang="da-DK" dirty="0"/>
-              <a:t>Sikrer ikke mod </a:t>
-            </a:r>
-            <a:r>
-              <a:rPr lang="da-DK" dirty="0" err="1"/>
-              <a:t>replayangreb</a:t>
-            </a:r>
-            <a:r>
-              <a:rPr lang="da-DK" dirty="0"/>
-              <a:t>, der skal en dato eller et sekvensnummer eller lign. til. </a:t>
-            </a:r>
-          </a:p>
-          <a:p>
-            <a:endParaRPr lang="da-DK" dirty="0"/>
-          </a:p>
-        </p:txBody>
-      </p:sp>
-    </p:spTree>
-    <p:extLst>
-      <p:ext uri="{BB962C8B-B14F-4D97-AF65-F5344CB8AC3E}">
-        <p14:creationId xmlns:p14="http://schemas.microsoft.com/office/powerpoint/2010/main" val="3452644458"/>
-      </p:ext>
-    </p:extLst>
-  </p:cSld>
-  <p:clrMapOvr>
-    <a:masterClrMapping/>
-  </p:clrMapOvr>
-</p:sld>
-</file>
-
-<file path=ppt/slides/slide21.xml><?xml version="1.0" encoding="utf-8"?>
 <p:sld xmlns:a="http://schemas.openxmlformats.org/drawingml/2006/main" xmlns:r="http://schemas.openxmlformats.org/officeDocument/2006/relationships" xmlns:p="http://schemas.openxmlformats.org/presentationml/2006/main">
   <p:cSld>
     <p:spTree>
@@ -5647,6 +5561,98 @@
 </p:sld>
 </file>
 
+<file path=ppt/slides/slide21.xml><?xml version="1.0" encoding="utf-8"?>
+<p:sld xmlns:a="http://schemas.openxmlformats.org/drawingml/2006/main" xmlns:r="http://schemas.openxmlformats.org/officeDocument/2006/relationships" xmlns:p="http://schemas.openxmlformats.org/presentationml/2006/main">
+  <p:cSld>
+    <p:spTree>
+      <p:nvGrpSpPr>
+        <p:cNvPr id="1" name=""/>
+        <p:cNvGrpSpPr/>
+        <p:nvPr/>
+      </p:nvGrpSpPr>
+      <p:grpSpPr>
+        <a:xfrm>
+          <a:off x="0" y="0"/>
+          <a:ext cx="0" cy="0"/>
+          <a:chOff x="0" y="0"/>
+          <a:chExt cx="0" cy="0"/>
+        </a:xfrm>
+      </p:grpSpPr>
+      <p:sp>
+        <p:nvSpPr>
+          <p:cNvPr id="2" name="Titel 1"/>
+          <p:cNvSpPr>
+            <a:spLocks noGrp="1"/>
+          </p:cNvSpPr>
+          <p:nvPr>
+            <p:ph type="title"/>
+          </p:nvPr>
+        </p:nvSpPr>
+        <p:spPr/>
+        <p:txBody>
+          <a:bodyPr/>
+          <a:lstStyle/>
+          <a:p>
+            <a:r>
+              <a:rPr lang="da-DK" dirty="0"/>
+              <a:t>Digitale signaturer</a:t>
+            </a:r>
+          </a:p>
+        </p:txBody>
+      </p:sp>
+      <p:sp>
+        <p:nvSpPr>
+          <p:cNvPr id="3" name="Pladsholder til indhold 2"/>
+          <p:cNvSpPr>
+            <a:spLocks noGrp="1"/>
+          </p:cNvSpPr>
+          <p:nvPr>
+            <p:ph idx="1"/>
+          </p:nvPr>
+        </p:nvSpPr>
+        <p:spPr/>
+        <p:txBody>
+          <a:bodyPr/>
+          <a:lstStyle/>
+          <a:p>
+            <a:r>
+              <a:rPr lang="da-DK" dirty="0"/>
+              <a:t>En digital signatur kan fungere på forskellige måder, men minder meget om en MAC. Den primære forskel er at </a:t>
+            </a:r>
+            <a:r>
+              <a:rPr lang="da-DK" dirty="0" err="1"/>
+              <a:t>MAC’en</a:t>
+            </a:r>
+            <a:r>
+              <a:rPr lang="da-DK" dirty="0"/>
+              <a:t> krypteres symmetrisk, mens en digital signatur er en asymmetrisk krypteret checksum.</a:t>
+            </a:r>
+          </a:p>
+          <a:p>
+            <a:r>
+              <a:rPr lang="da-DK" dirty="0"/>
+              <a:t>Checksummen krypteres med den private nøgle og derefter kan alle verificere at hvis de kan dekryptere checksummen med den offentlige nøgle og den passer på beskeden, må beskeden være signeret af en med adgang til den </a:t>
+            </a:r>
+            <a:r>
+              <a:rPr lang="da-DK"/>
+              <a:t>private nøgle. </a:t>
+            </a:r>
+          </a:p>
+        </p:txBody>
+      </p:sp>
+    </p:spTree>
+    <p:extLst>
+      <p:ext uri="{BB962C8B-B14F-4D97-AF65-F5344CB8AC3E}">
+        <p14:creationId xmlns:p14="http://schemas.microsoft.com/office/powerpoint/2010/main" val="1007906876"/>
+      </p:ext>
+    </p:extLst>
+  </p:cSld>
+  <p:clrMapOvr>
+    <a:masterClrMapping/>
+  </p:clrMapOvr>
+</p:sld>
+</file>
+
 <file path=ppt/slides/slide22.xml><?xml version="1.0" encoding="utf-8"?>
 <p:sld xmlns:a="http://schemas.openxmlformats.org/drawingml/2006/main" xmlns:r="http://schemas.openxmlformats.org/officeDocument/2006/relationships" xmlns:p="http://schemas.openxmlformats.org/presentationml/2006/main">
   <p:cSld>
@@ -5681,98 +5687,6 @@
           <a:p>
             <a:r>
               <a:rPr lang="da-DK" dirty="0"/>
-              <a:t>Digitale signaturer</a:t>
-            </a:r>
-          </a:p>
-        </p:txBody>
-      </p:sp>
-      <p:sp>
-        <p:nvSpPr>
-          <p:cNvPr id="3" name="Pladsholder til indhold 2"/>
-          <p:cNvSpPr>
-            <a:spLocks noGrp="1"/>
-          </p:cNvSpPr>
-          <p:nvPr>
-            <p:ph idx="1"/>
-          </p:nvPr>
-        </p:nvSpPr>
-        <p:spPr/>
-        <p:txBody>
-          <a:bodyPr/>
-          <a:lstStyle/>
-          <a:p>
-            <a:r>
-              <a:rPr lang="da-DK" dirty="0"/>
-              <a:t>En digital signatur kan fungere på forskellige måder, men minder meget om en MAC. Den primære forskel er at </a:t>
-            </a:r>
-            <a:r>
-              <a:rPr lang="da-DK" dirty="0" err="1"/>
-              <a:t>MAC’en</a:t>
-            </a:r>
-            <a:r>
-              <a:rPr lang="da-DK" dirty="0"/>
-              <a:t> krypteres symmetrisk, mens en digital signatur er en asymmetrisk krypteret checksum.</a:t>
-            </a:r>
-          </a:p>
-          <a:p>
-            <a:r>
-              <a:rPr lang="da-DK" dirty="0"/>
-              <a:t>Checksummen krypteres med den private nøgle og derefter kan alle verificere at hvis de kan dekryptere checksummen med den offentlige nøgle og den passer på beskeden, må beskeden være signeret af en med adgang til den </a:t>
-            </a:r>
-            <a:r>
-              <a:rPr lang="da-DK"/>
-              <a:t>private nøgle. </a:t>
-            </a:r>
-          </a:p>
-        </p:txBody>
-      </p:sp>
-    </p:spTree>
-    <p:extLst>
-      <p:ext uri="{BB962C8B-B14F-4D97-AF65-F5344CB8AC3E}">
-        <p14:creationId xmlns:p14="http://schemas.microsoft.com/office/powerpoint/2010/main" val="1007906876"/>
-      </p:ext>
-    </p:extLst>
-  </p:cSld>
-  <p:clrMapOvr>
-    <a:masterClrMapping/>
-  </p:clrMapOvr>
-</p:sld>
-</file>
-
-<file path=ppt/slides/slide23.xml><?xml version="1.0" encoding="utf-8"?>
-<p:sld xmlns:a="http://schemas.openxmlformats.org/drawingml/2006/main" xmlns:r="http://schemas.openxmlformats.org/officeDocument/2006/relationships" xmlns:p="http://schemas.openxmlformats.org/presentationml/2006/main">
-  <p:cSld>
-    <p:spTree>
-      <p:nvGrpSpPr>
-        <p:cNvPr id="1" name=""/>
-        <p:cNvGrpSpPr/>
-        <p:nvPr/>
-      </p:nvGrpSpPr>
-      <p:grpSpPr>
-        <a:xfrm>
-          <a:off x="0" y="0"/>
-          <a:ext cx="0" cy="0"/>
-          <a:chOff x="0" y="0"/>
-          <a:chExt cx="0" cy="0"/>
-        </a:xfrm>
-      </p:grpSpPr>
-      <p:sp>
-        <p:nvSpPr>
-          <p:cNvPr id="2" name="Titel 1"/>
-          <p:cNvSpPr>
-            <a:spLocks noGrp="1"/>
-          </p:cNvSpPr>
-          <p:nvPr>
-            <p:ph type="title"/>
-          </p:nvPr>
-        </p:nvSpPr>
-        <p:spPr/>
-        <p:txBody>
-          <a:bodyPr/>
-          <a:lstStyle/>
-          <a:p>
-            <a:r>
-              <a:rPr lang="da-DK" dirty="0"/>
               <a:t>Challenge-</a:t>
             </a:r>
             <a:r>
@@ -5891,7 +5805,7 @@
 </p:sld>
 </file>
 
-<file path=ppt/slides/slide24.xml><?xml version="1.0" encoding="utf-8"?>
+<file path=ppt/slides/slide23.xml><?xml version="1.0" encoding="utf-8"?>
 <p:sld xmlns:a="http://schemas.openxmlformats.org/drawingml/2006/main" xmlns:r="http://schemas.openxmlformats.org/officeDocument/2006/relationships" xmlns:p="http://schemas.openxmlformats.org/presentationml/2006/main">
   <p:cSld>
     <p:spTree>
@@ -6109,7 +6023,7 @@
           <a:p>
             <a:r>
               <a:rPr lang="da-DK" dirty="0"/>
-              <a:t>Sikkerheden bør or en given besked kun afhænge af at nøglen er hemmelig og ikke af at krypteringsalgoritmens hemmeligholdelse. </a:t>
+              <a:t>Sikkerheden bør for en given besked kun afhænge af at nøglen er hemmelig og ikke af krypteringsalgoritmens hemmeligholdelse. </a:t>
             </a:r>
           </a:p>
           <a:p>
@@ -6602,7 +6516,15 @@
             </a:pPr>
             <a:r>
               <a:rPr lang="da-DK" dirty="0"/>
-              <a:t>Nøglen er matrixens størrelse 5x5, </a:t>
+              <a:t>Nøglen er matrixens </a:t>
+            </a:r>
+            <a:r>
+              <a:rPr lang="da-DK"/>
+              <a:t>størrelse 6x5</a:t>
+            </a:r>
+            <a:r>
+              <a:rPr lang="da-DK" dirty="0"/>
+              <a:t>, </a:t>
             </a:r>
           </a:p>
           <a:p>
